--- a/Lab 2/Lab 2 bài giảng.pptx
+++ b/Lab 2/Lab 2 bài giảng.pptx
@@ -8075,7 +8075,7 @@
           <a:graphicData uri="http://schemas.openxmlformats.org/presentationml/2006/ole">
             <mc:AlternateContent xmlns:mc="http://schemas.openxmlformats.org/markup-compatibility/2006">
               <mc:Choice xmlns:v="urn:schemas-microsoft-com:vml" Requires="v">
-                <p:oleObj spid="_x0000_s5207" name="Equation" r:id="rId3" imgW="1028335" imgH="533539" progId="Equation.DSMT4">
+                <p:oleObj spid="_x0000_s5219" name="Equation" r:id="rId3" imgW="1028335" imgH="533539" progId="Equation.DSMT4">
                   <p:embed/>
                 </p:oleObj>
               </mc:Choice>
@@ -8138,7 +8138,7 @@
           <a:graphicData uri="http://schemas.openxmlformats.org/presentationml/2006/ole">
             <mc:AlternateContent xmlns:mc="http://schemas.openxmlformats.org/markup-compatibility/2006">
               <mc:Choice xmlns:v="urn:schemas-microsoft-com:vml" Requires="v">
-                <p:oleObj spid="_x0000_s5208" name="Equation" r:id="rId5" imgW="1142394" imgH="247689" progId="Equation.DSMT4">
+                <p:oleObj spid="_x0000_s5220" name="Equation" r:id="rId5" imgW="1142394" imgH="247689" progId="Equation.DSMT4">
                   <p:embed/>
                 </p:oleObj>
               </mc:Choice>
@@ -8201,7 +8201,7 @@
           <a:graphicData uri="http://schemas.openxmlformats.org/presentationml/2006/ole">
             <mc:AlternateContent xmlns:mc="http://schemas.openxmlformats.org/markup-compatibility/2006">
               <mc:Choice xmlns:v="urn:schemas-microsoft-com:vml" Requires="v">
-                <p:oleObj spid="_x0000_s5209" name="Equation" r:id="rId7" imgW="2465772" imgH="533539" progId="Equation.DSMT4">
+                <p:oleObj spid="_x0000_s5221" name="Equation" r:id="rId7" imgW="2465772" imgH="533539" progId="Equation.DSMT4">
                   <p:embed/>
                 </p:oleObj>
               </mc:Choice>
@@ -9591,8 +9591,17 @@
               <a:rPr lang="vi-VN" altLang="en-US" dirty="0">
                 <a:ea typeface="Arial" charset="0"/>
               </a:rPr>
-              <a:t>Với các thông tin giả sử như sau;</a:t>
-            </a:r>
+              <a:t>Với các thông tin giả sử như sau</a:t>
+            </a:r>
+            <a:r>
+              <a:rPr lang="en-US" altLang="en-US" dirty="0">
+                <a:ea typeface="Arial" charset="0"/>
+              </a:rPr>
+              <a:t>: </a:t>
+            </a:r>
+            <a:endParaRPr lang="vi-VN" altLang="en-US" dirty="0">
+              <a:ea typeface="Arial" charset="0"/>
+            </a:endParaRPr>
           </a:p>
           <a:p>
             <a:pPr marL="0" indent="0">
@@ -21443,7 +21452,15 @@
             </a:r>
             <a:r>
               <a:rPr lang="vi-VN" altLang="en-US" dirty="0"/>
-              <a:t>ột biểu thức so sánh sẽ trả về kết quả có có kiểu dữliệu là Boolean, tức là True hay False. Các phép toán so sánh giá trị số trong Python được kể đến như sau:</a:t>
+              <a:t>ột biểu thức so sánh sẽ trả về kết quả có có kiểu dữ</a:t>
+            </a:r>
+            <a:r>
+              <a:rPr lang="en-US" altLang="en-US" dirty="0"/>
+              <a:t> </a:t>
+            </a:r>
+            <a:r>
+              <a:rPr lang="vi-VN" altLang="en-US" dirty="0"/>
+              <a:t>liệu là Boolean, tức là True hay False. Các phép toán so sánh giá trị số trong Python được kể đến như sau:</a:t>
             </a:r>
           </a:p>
           <a:p>
@@ -23854,7 +23871,15 @@
             </a:pPr>
             <a:r>
               <a:rPr lang="vi-VN" altLang="en-US" dirty="0"/>
-              <a:t> &lt;khối lệnh&gt;</a:t>
+              <a:t> &lt;khối lệnh</a:t>
+            </a:r>
+            <a:r>
+              <a:rPr lang="en-US" altLang="en-US" dirty="0"/>
+              <a:t> 1</a:t>
+            </a:r>
+            <a:r>
+              <a:rPr lang="vi-VN" altLang="en-US" dirty="0"/>
+              <a:t>&gt;</a:t>
             </a:r>
           </a:p>
           <a:p>
@@ -23881,7 +23906,15 @@
             </a:pPr>
             <a:r>
               <a:rPr lang="vi-VN" altLang="en-US" dirty="0"/>
-              <a:t>&lt;khối lệnh&gt;</a:t>
+              <a:t>&lt;khối lệnh</a:t>
+            </a:r>
+            <a:r>
+              <a:rPr lang="en-US" altLang="en-US" dirty="0"/>
+              <a:t> 2</a:t>
+            </a:r>
+            <a:r>
+              <a:rPr lang="vi-VN" altLang="en-US" dirty="0"/>
+              <a:t>&gt;</a:t>
             </a:r>
             <a:endParaRPr lang="en-US" altLang="en-US" dirty="0"/>
           </a:p>
@@ -24481,7 +24514,7 @@
             </a:r>
             <a:r>
               <a:rPr lang="en-US" altLang="en-US" dirty="0"/>
-              <a:t>&gt;</a:t>
+              <a:t> 1&gt;</a:t>
             </a:r>
           </a:p>
           <a:p>
@@ -24535,7 +24568,7 @@
             </a:r>
             <a:r>
               <a:rPr lang="en-US" altLang="en-US" dirty="0"/>
-              <a:t>&gt;</a:t>
+              <a:t> 2&gt;</a:t>
             </a:r>
           </a:p>
           <a:p>
@@ -24569,7 +24602,7 @@
             </a:r>
             <a:r>
               <a:rPr lang="en-US" altLang="en-US" dirty="0"/>
-              <a:t>&gt;</a:t>
+              <a:t> 3&gt;</a:t>
             </a:r>
           </a:p>
           <a:p>
